--- a/FYP_Presentation.pptx
+++ b/FYP_Presentation.pptx
@@ -268,7 +268,7 @@
           <a:p>
             <a:fld id="{6A4B53A7-3209-46A6-9454-F38EAC8F11E7}" type="datetimeFigureOut">
               <a:rPr lang="en-US" smtClean="0"/>
-              <a:t>6/20/2020</a:t>
+              <a:t>6/21/2020</a:t>
             </a:fld>
             <a:endParaRPr lang="en-US"/>
           </a:p>
@@ -563,7 +563,7 @@
             <a:fld id="{6A4B53A7-3209-46A6-9454-F38EAC8F11E7}" type="datetimeFigureOut">
               <a:rPr lang="en-US" smtClean="0"/>
               <a:pPr/>
-              <a:t>6/20/2020</a:t>
+              <a:t>6/21/2020</a:t>
             </a:fld>
             <a:endParaRPr lang="en-US" dirty="0"/>
           </a:p>
@@ -1526,31 +1526,6 @@
           </a:p>
         </p:txBody>
       </p:sp>
-      <p:sp>
-        <p:nvSpPr>
-          <p:cNvPr id="3" name="Subtitle 2">
-            <a:extLst>
-              <a:ext uri="{FF2B5EF4-FFF2-40B4-BE49-F238E27FC236}">
-                <a16:creationId xmlns:a16="http://schemas.microsoft.com/office/drawing/2014/main" id="{E3A930AF-C54D-47B6-A5A0-294C28A2CE84}"/>
-              </a:ext>
-            </a:extLst>
-          </p:cNvPr>
-          <p:cNvSpPr>
-            <a:spLocks noGrp="1"/>
-          </p:cNvSpPr>
-          <p:nvPr>
-            <p:ph type="subTitle" idx="1"/>
-          </p:nvPr>
-        </p:nvSpPr>
-        <p:spPr/>
-        <p:txBody>
-          <a:bodyPr/>
-          <a:lstStyle/>
-          <a:p>
-            <a:endParaRPr lang="en-GB"/>
-          </a:p>
-        </p:txBody>
-      </p:sp>
       <p:pic>
         <p:nvPicPr>
           <p:cNvPr id="1026" name="Picture 2">
@@ -1676,31 +1651,6 @@
           </a:p>
         </p:txBody>
       </p:sp>
-      <p:sp>
-        <p:nvSpPr>
-          <p:cNvPr id="3" name="Subtitle 2">
-            <a:extLst>
-              <a:ext uri="{FF2B5EF4-FFF2-40B4-BE49-F238E27FC236}">
-                <a16:creationId xmlns:a16="http://schemas.microsoft.com/office/drawing/2014/main" id="{5B5BEF7C-4188-4B0D-B4FC-AF6A8BCB9DF6}"/>
-              </a:ext>
-            </a:extLst>
-          </p:cNvPr>
-          <p:cNvSpPr>
-            <a:spLocks noGrp="1"/>
-          </p:cNvSpPr>
-          <p:nvPr>
-            <p:ph type="subTitle" idx="1"/>
-          </p:nvPr>
-        </p:nvSpPr>
-        <p:spPr/>
-        <p:txBody>
-          <a:bodyPr/>
-          <a:lstStyle/>
-          <a:p>
-            <a:endParaRPr lang="en-GB"/>
-          </a:p>
-        </p:txBody>
-      </p:sp>
       <p:pic>
         <p:nvPicPr>
           <p:cNvPr id="5" name="Picture 4" descr="A screenshot of a cell phone&#10;&#10;Description automatically generated">
@@ -1806,31 +1756,6 @@
           </a:p>
         </p:txBody>
       </p:sp>
-      <p:sp>
-        <p:nvSpPr>
-          <p:cNvPr id="3" name="Subtitle 2">
-            <a:extLst>
-              <a:ext uri="{FF2B5EF4-FFF2-40B4-BE49-F238E27FC236}">
-                <a16:creationId xmlns:a16="http://schemas.microsoft.com/office/drawing/2014/main" id="{E7B37FEE-70C9-4355-A8E6-410DFDF17E07}"/>
-              </a:ext>
-            </a:extLst>
-          </p:cNvPr>
-          <p:cNvSpPr>
-            <a:spLocks noGrp="1"/>
-          </p:cNvSpPr>
-          <p:nvPr>
-            <p:ph type="subTitle" idx="1"/>
-          </p:nvPr>
-        </p:nvSpPr>
-        <p:spPr/>
-        <p:txBody>
-          <a:bodyPr/>
-          <a:lstStyle/>
-          <a:p>
-            <a:endParaRPr lang="en-GB" dirty="0"/>
-          </a:p>
-        </p:txBody>
-      </p:sp>
       <p:pic>
         <p:nvPicPr>
           <p:cNvPr id="6" name="Picture 5" descr="A screenshot of a cell phone&#10;&#10;Description automatically generated">
@@ -1966,31 +1891,6 @@
               <a:t>ook</a:t>
             </a:r>
             <a:endParaRPr lang="en-GB" sz="5400" dirty="0"/>
-          </a:p>
-        </p:txBody>
-      </p:sp>
-      <p:sp>
-        <p:nvSpPr>
-          <p:cNvPr id="3" name="Subtitle 2">
-            <a:extLst>
-              <a:ext uri="{FF2B5EF4-FFF2-40B4-BE49-F238E27FC236}">
-                <a16:creationId xmlns:a16="http://schemas.microsoft.com/office/drawing/2014/main" id="{E2904ACD-EFED-4BEA-BD94-910B0204C085}"/>
-              </a:ext>
-            </a:extLst>
-          </p:cNvPr>
-          <p:cNvSpPr>
-            <a:spLocks noGrp="1"/>
-          </p:cNvSpPr>
-          <p:nvPr>
-            <p:ph type="subTitle" idx="1"/>
-          </p:nvPr>
-        </p:nvSpPr>
-        <p:spPr/>
-        <p:txBody>
-          <a:bodyPr/>
-          <a:lstStyle/>
-          <a:p>
-            <a:endParaRPr lang="en-GB"/>
           </a:p>
         </p:txBody>
       </p:sp>
@@ -2847,31 +2747,6 @@
               <a:t>alidation</a:t>
             </a:r>
             <a:endParaRPr lang="en-GB" sz="5400" dirty="0"/>
-          </a:p>
-        </p:txBody>
-      </p:sp>
-      <p:sp>
-        <p:nvSpPr>
-          <p:cNvPr id="3" name="Subtitle 2">
-            <a:extLst>
-              <a:ext uri="{FF2B5EF4-FFF2-40B4-BE49-F238E27FC236}">
-                <a16:creationId xmlns:a16="http://schemas.microsoft.com/office/drawing/2014/main" id="{D59373E2-B680-4498-BD4F-8AC2F8E4D776}"/>
-              </a:ext>
-            </a:extLst>
-          </p:cNvPr>
-          <p:cNvSpPr>
-            <a:spLocks noGrp="1"/>
-          </p:cNvSpPr>
-          <p:nvPr>
-            <p:ph type="subTitle" idx="1"/>
-          </p:nvPr>
-        </p:nvSpPr>
-        <p:spPr/>
-        <p:txBody>
-          <a:bodyPr/>
-          <a:lstStyle/>
-          <a:p>
-            <a:endParaRPr lang="en-GB"/>
           </a:p>
         </p:txBody>
       </p:sp>
